--- a/projeto 2.pptx
+++ b/projeto 2.pptx
@@ -112,13 +112,18 @@
       </a:defRPr>
     </a:lvl9pPr>
   </p:defaultTextStyle>
+  <p:extLst>
+    <p:ext uri="{EFAFB233-063F-42B5-8137-9DF3F51BA10A}">
+      <p15:sldGuideLst xmlns:p15="http://schemas.microsoft.com/office/powerpoint/2012/main"/>
+    </p:ext>
+  </p:extLst>
 </p:presentation>
 </file>
 
 <file path=ppt/charts/chart1.xml><?xml version="1.0" encoding="utf-8"?>
 <c:chartSpace xmlns:c="http://schemas.openxmlformats.org/drawingml/2006/chart" xmlns:a="http://schemas.openxmlformats.org/drawingml/2006/main" xmlns:r="http://schemas.openxmlformats.org/officeDocument/2006/relationships" xmlns:c16r2="http://schemas.microsoft.com/office/drawing/2015/06/chart">
   <c:date1904 val="0"/>
-  <c:lang val="zh-CN"/>
+  <c:lang val="pt-BR"/>
   <c:roundedCorners val="0"/>
   <mc:AlternateContent xmlns:mc="http://schemas.openxmlformats.org/markup-compatibility/2006">
     <mc:Choice xmlns:c14="http://schemas.microsoft.com/office/drawing/2007/8/2/chart" Requires="c14">
@@ -181,7 +186,7 @@
               <a:cs typeface="+mn-cs"/>
             </a:defRPr>
           </a:pPr>
-          <a:endParaRPr lang="zh-CN"/>
+          <a:endParaRPr lang="pt-BR"/>
         </a:p>
       </c:txPr>
     </c:title>
@@ -435,7 +440,7 @@
                 <a:cs typeface="+mn-cs"/>
               </a:defRPr>
             </a:pPr>
-            <a:endParaRPr lang="zh-CN"/>
+            <a:endParaRPr lang="pt-BR"/>
           </a:p>
         </c:txPr>
         <c:crossAx val="1003593023"/>
@@ -494,7 +499,7 @@
                 <a:cs typeface="+mn-cs"/>
               </a:defRPr>
             </a:pPr>
-            <a:endParaRPr lang="zh-CN"/>
+            <a:endParaRPr lang="pt-BR"/>
           </a:p>
         </c:txPr>
         <c:crossAx val="1395718224"/>
@@ -536,7 +541,7 @@
               <a:cs typeface="+mn-cs"/>
             </a:defRPr>
           </a:pPr>
-          <a:endParaRPr lang="zh-CN"/>
+          <a:endParaRPr lang="pt-BR"/>
         </a:p>
       </c:txPr>
     </c:legend>
@@ -565,7 +570,7 @@
       <a:pPr>
         <a:defRPr/>
       </a:pPr>
-      <a:endParaRPr lang="zh-CN"/>
+      <a:endParaRPr lang="pt-BR"/>
     </a:p>
   </c:txPr>
   <c:externalData r:id="rId3">
@@ -577,7 +582,7 @@
 <file path=ppt/charts/chart2.xml><?xml version="1.0" encoding="utf-8"?>
 <c:chartSpace xmlns:c="http://schemas.openxmlformats.org/drawingml/2006/chart" xmlns:a="http://schemas.openxmlformats.org/drawingml/2006/main" xmlns:r="http://schemas.openxmlformats.org/officeDocument/2006/relationships" xmlns:c16r2="http://schemas.microsoft.com/office/drawing/2015/06/chart">
   <c:date1904 val="0"/>
-  <c:lang val="zh-CN"/>
+  <c:lang val="pt-BR"/>
   <c:roundedCorners val="0"/>
   <mc:AlternateContent xmlns:mc="http://schemas.openxmlformats.org/markup-compatibility/2006">
     <mc:Choice xmlns:c14="http://schemas.microsoft.com/office/drawing/2007/8/2/chart" Requires="c14">
@@ -640,7 +645,7 @@
               <a:cs typeface="+mn-cs"/>
             </a:defRPr>
           </a:pPr>
-          <a:endParaRPr lang="zh-CN"/>
+          <a:endParaRPr lang="pt-BR"/>
         </a:p>
       </c:txPr>
     </c:title>
@@ -894,7 +899,7 @@
                 <a:cs typeface="+mn-cs"/>
               </a:defRPr>
             </a:pPr>
-            <a:endParaRPr lang="zh-CN"/>
+            <a:endParaRPr lang="pt-BR"/>
           </a:p>
         </c:txPr>
         <c:crossAx val="1404745200"/>
@@ -953,7 +958,7 @@
                 <a:cs typeface="+mn-cs"/>
               </a:defRPr>
             </a:pPr>
-            <a:endParaRPr lang="zh-CN"/>
+            <a:endParaRPr lang="pt-BR"/>
           </a:p>
         </c:txPr>
         <c:crossAx val="1404780624"/>
@@ -995,7 +1000,7 @@
               <a:cs typeface="+mn-cs"/>
             </a:defRPr>
           </a:pPr>
-          <a:endParaRPr lang="zh-CN"/>
+          <a:endParaRPr lang="pt-BR"/>
         </a:p>
       </c:txPr>
     </c:legend>
@@ -1024,7 +1029,7 @@
       <a:pPr>
         <a:defRPr/>
       </a:pPr>
-      <a:endParaRPr lang="zh-CN"/>
+      <a:endParaRPr lang="pt-BR"/>
     </a:p>
   </c:txPr>
   <c:externalData r:id="rId3">
@@ -1036,7 +1041,7 @@
 <file path=ppt/charts/chart3.xml><?xml version="1.0" encoding="utf-8"?>
 <c:chartSpace xmlns:c="http://schemas.openxmlformats.org/drawingml/2006/chart" xmlns:a="http://schemas.openxmlformats.org/drawingml/2006/main" xmlns:r="http://schemas.openxmlformats.org/officeDocument/2006/relationships" xmlns:c16r2="http://schemas.microsoft.com/office/drawing/2015/06/chart">
   <c:date1904 val="0"/>
-  <c:lang val="zh-CN"/>
+  <c:lang val="pt-BR"/>
   <c:roundedCorners val="0"/>
   <mc:AlternateContent xmlns:mc="http://schemas.openxmlformats.org/markup-compatibility/2006">
     <mc:Choice xmlns:c14="http://schemas.microsoft.com/office/drawing/2007/8/2/chart" Requires="c14">
@@ -1103,7 +1108,7 @@
               <a:cs typeface="+mn-cs"/>
             </a:defRPr>
           </a:pPr>
-          <a:endParaRPr lang="zh-CN"/>
+          <a:endParaRPr lang="pt-BR"/>
         </a:p>
       </c:txPr>
     </c:title>
@@ -1358,7 +1363,7 @@
                 <a:cs typeface="+mn-cs"/>
               </a:defRPr>
             </a:pPr>
-            <a:endParaRPr lang="zh-CN"/>
+            <a:endParaRPr lang="pt-BR"/>
           </a:p>
         </c:txPr>
         <c:crossAx val="2111716575"/>
@@ -1417,7 +1422,7 @@
                 <a:cs typeface="+mn-cs"/>
               </a:defRPr>
             </a:pPr>
-            <a:endParaRPr lang="zh-CN"/>
+            <a:endParaRPr lang="pt-BR"/>
           </a:p>
         </c:txPr>
         <c:crossAx val="2111714927"/>
@@ -1459,7 +1464,7 @@
               <a:cs typeface="+mn-cs"/>
             </a:defRPr>
           </a:pPr>
-          <a:endParaRPr lang="zh-CN"/>
+          <a:endParaRPr lang="pt-BR"/>
         </a:p>
       </c:txPr>
     </c:legend>
@@ -1488,7 +1493,7 @@
       <a:pPr>
         <a:defRPr/>
       </a:pPr>
-      <a:endParaRPr lang="zh-CN"/>
+      <a:endParaRPr lang="pt-BR"/>
     </a:p>
   </c:txPr>
   <c:externalData r:id="rId3">
@@ -3296,7 +3301,7 @@
             <a:fld id="{87DE6118-2437-4B30-8E3C-4D2BE6020583}" type="datetimeFigureOut">
               <a:rPr lang="en-US" dirty="0"/>
               <a:pPr/>
-              <a:t>10/6/22</a:t>
+              <a:t>10/6/2022</a:t>
             </a:fld>
             <a:endParaRPr lang="en-US" dirty="0"/>
           </a:p>
@@ -3365,7 +3370,7 @@
             <a:fld id="{69E57DC2-970A-4B3E-BB1C-7A09969E49DF}" type="slidenum">
               <a:rPr lang="en-US" dirty="0"/>
               <a:pPr/>
-              <a:t>‹#›</a:t>
+              <a:t>‹nº›</a:t>
             </a:fld>
             <a:endParaRPr lang="en-US" dirty="0"/>
           </a:p>
@@ -3622,7 +3627,7 @@
           <a:p>
             <a:fld id="{87DE6118-2437-4B30-8E3C-4D2BE6020583}" type="datetimeFigureOut">
               <a:rPr lang="en-US" dirty="0"/>
-              <a:t>10/6/22</a:t>
+              <a:t>10/6/2022</a:t>
             </a:fld>
             <a:endParaRPr lang="en-US" dirty="0"/>
           </a:p>
@@ -3664,7 +3669,7 @@
           <a:p>
             <a:fld id="{69E57DC2-970A-4B3E-BB1C-7A09969E49DF}" type="slidenum">
               <a:rPr lang="en-US" dirty="0"/>
-              <a:t>‹#›</a:t>
+              <a:t>‹nº›</a:t>
             </a:fld>
             <a:endParaRPr lang="en-US" dirty="0"/>
           </a:p>
@@ -3797,7 +3802,7 @@
           <a:p>
             <a:fld id="{87DE6118-2437-4B30-8E3C-4D2BE6020583}" type="datetimeFigureOut">
               <a:rPr lang="en-US" dirty="0"/>
-              <a:t>10/6/22</a:t>
+              <a:t>10/6/2022</a:t>
             </a:fld>
             <a:endParaRPr lang="en-US" dirty="0"/>
           </a:p>
@@ -3839,7 +3844,7 @@
           <a:p>
             <a:fld id="{69E57DC2-970A-4B3E-BB1C-7A09969E49DF}" type="slidenum">
               <a:rPr lang="en-US" dirty="0"/>
-              <a:t>‹#›</a:t>
+              <a:t>‹nº›</a:t>
             </a:fld>
             <a:endParaRPr lang="en-US" dirty="0"/>
           </a:p>
@@ -3962,7 +3967,7 @@
           <a:p>
             <a:fld id="{87DE6118-2437-4B30-8E3C-4D2BE6020583}" type="datetimeFigureOut">
               <a:rPr lang="en-US" dirty="0"/>
-              <a:t>10/6/22</a:t>
+              <a:t>10/6/2022</a:t>
             </a:fld>
             <a:endParaRPr lang="en-US" dirty="0"/>
           </a:p>
@@ -4004,7 +4009,7 @@
           <a:p>
             <a:fld id="{69E57DC2-970A-4B3E-BB1C-7A09969E49DF}" type="slidenum">
               <a:rPr lang="en-US" dirty="0"/>
-              <a:t>‹#›</a:t>
+              <a:t>‹nº›</a:t>
             </a:fld>
             <a:endParaRPr lang="en-US" dirty="0"/>
           </a:p>
@@ -4235,7 +4240,7 @@
             <a:fld id="{87DE6118-2437-4B30-8E3C-4D2BE6020583}" type="datetimeFigureOut">
               <a:rPr lang="en-US" dirty="0"/>
               <a:pPr/>
-              <a:t>10/6/22</a:t>
+              <a:t>10/6/2022</a:t>
             </a:fld>
             <a:endParaRPr lang="en-US" dirty="0"/>
           </a:p>
@@ -4304,7 +4309,7 @@
             <a:fld id="{69E57DC2-970A-4B3E-BB1C-7A09969E49DF}" type="slidenum">
               <a:rPr lang="en-US" dirty="0"/>
               <a:pPr/>
-              <a:t>‹#›</a:t>
+              <a:t>‹nº›</a:t>
             </a:fld>
             <a:endParaRPr lang="en-US" dirty="0"/>
           </a:p>
@@ -4625,7 +4630,7 @@
           <a:p>
             <a:fld id="{87DE6118-2437-4B30-8E3C-4D2BE6020583}" type="datetimeFigureOut">
               <a:rPr lang="en-US" dirty="0"/>
-              <a:t>10/6/22</a:t>
+              <a:t>10/6/2022</a:t>
             </a:fld>
             <a:endParaRPr lang="en-US" dirty="0"/>
           </a:p>
@@ -4667,7 +4672,7 @@
           <a:p>
             <a:fld id="{69E57DC2-970A-4B3E-BB1C-7A09969E49DF}" type="slidenum">
               <a:rPr lang="en-US" dirty="0"/>
-              <a:t>‹#›</a:t>
+              <a:t>‹nº›</a:t>
             </a:fld>
             <a:endParaRPr lang="en-US" dirty="0"/>
           </a:p>
@@ -5097,7 +5102,7 @@
           <a:p>
             <a:fld id="{87DE6118-2437-4B30-8E3C-4D2BE6020583}" type="datetimeFigureOut">
               <a:rPr lang="en-US" dirty="0"/>
-              <a:t>10/6/22</a:t>
+              <a:t>10/6/2022</a:t>
             </a:fld>
             <a:endParaRPr lang="en-US" dirty="0"/>
           </a:p>
@@ -5139,7 +5144,7 @@
           <a:p>
             <a:fld id="{69E57DC2-970A-4B3E-BB1C-7A09969E49DF}" type="slidenum">
               <a:rPr lang="en-US" dirty="0"/>
-              <a:t>‹#›</a:t>
+              <a:t>‹nº›</a:t>
             </a:fld>
             <a:endParaRPr lang="en-US" dirty="0"/>
           </a:p>
@@ -5210,7 +5215,7 @@
           <a:p>
             <a:fld id="{87DE6118-2437-4B30-8E3C-4D2BE6020583}" type="datetimeFigureOut">
               <a:rPr lang="en-US" dirty="0"/>
-              <a:t>10/6/22</a:t>
+              <a:t>10/6/2022</a:t>
             </a:fld>
             <a:endParaRPr lang="en-US" dirty="0"/>
           </a:p>
@@ -5252,7 +5257,7 @@
           <a:p>
             <a:fld id="{69E57DC2-970A-4B3E-BB1C-7A09969E49DF}" type="slidenum">
               <a:rPr lang="en-US" dirty="0"/>
-              <a:t>‹#›</a:t>
+              <a:t>‹nº›</a:t>
             </a:fld>
             <a:endParaRPr lang="en-US" dirty="0"/>
           </a:p>
@@ -5300,7 +5305,7 @@
           <a:p>
             <a:fld id="{87DE6118-2437-4B30-8E3C-4D2BE6020583}" type="datetimeFigureOut">
               <a:rPr lang="en-US" dirty="0"/>
-              <a:t>10/6/22</a:t>
+              <a:t>10/6/2022</a:t>
             </a:fld>
             <a:endParaRPr lang="en-US" dirty="0"/>
           </a:p>
@@ -5342,7 +5347,7 @@
           <a:p>
             <a:fld id="{69E57DC2-970A-4B3E-BB1C-7A09969E49DF}" type="slidenum">
               <a:rPr lang="en-US" dirty="0"/>
-              <a:t>‹#›</a:t>
+              <a:t>‹nº›</a:t>
             </a:fld>
             <a:endParaRPr lang="en-US" dirty="0"/>
           </a:p>
@@ -5642,7 +5647,7 @@
             <a:fld id="{87DE6118-2437-4B30-8E3C-4D2BE6020583}" type="datetimeFigureOut">
               <a:rPr lang="en-US" dirty="0"/>
               <a:pPr/>
-              <a:t>10/6/22</a:t>
+              <a:t>10/6/2022</a:t>
             </a:fld>
             <a:endParaRPr lang="en-US" dirty="0"/>
           </a:p>
@@ -5711,7 +5716,7 @@
             <a:fld id="{69E57DC2-970A-4B3E-BB1C-7A09969E49DF}" type="slidenum">
               <a:rPr lang="en-US" dirty="0"/>
               <a:pPr/>
-              <a:t>‹#›</a:t>
+              <a:t>‹nº›</a:t>
             </a:fld>
             <a:endParaRPr lang="en-US" dirty="0"/>
           </a:p>
@@ -6027,7 +6032,7 @@
             <a:fld id="{87DE6118-2437-4B30-8E3C-4D2BE6020583}" type="datetimeFigureOut">
               <a:rPr lang="en-US" dirty="0"/>
               <a:pPr/>
-              <a:t>10/6/22</a:t>
+              <a:t>10/6/2022</a:t>
             </a:fld>
             <a:endParaRPr lang="en-US" dirty="0"/>
           </a:p>
@@ -6096,7 +6101,7 @@
             <a:fld id="{69E57DC2-970A-4B3E-BB1C-7A09969E49DF}" type="slidenum">
               <a:rPr lang="en-US" dirty="0"/>
               <a:pPr/>
-              <a:t>‹#›</a:t>
+              <a:t>‹nº›</a:t>
             </a:fld>
             <a:endParaRPr lang="en-US" dirty="0"/>
           </a:p>
@@ -6302,7 +6307,7 @@
             <a:fld id="{87DE6118-2437-4B30-8E3C-4D2BE6020583}" type="datetimeFigureOut">
               <a:rPr lang="en-US" dirty="0"/>
               <a:pPr/>
-              <a:t>10/6/22</a:t>
+              <a:t>10/6/2022</a:t>
             </a:fld>
             <a:endParaRPr lang="en-US" dirty="0"/>
           </a:p>
@@ -6377,7 +6382,7 @@
             <a:fld id="{69E57DC2-970A-4B3E-BB1C-7A09969E49DF}" type="slidenum">
               <a:rPr lang="en-US" dirty="0"/>
               <a:pPr/>
-              <a:t>‹#›</a:t>
+              <a:t>‹nº›</a:t>
             </a:fld>
             <a:endParaRPr lang="en-US" dirty="0"/>
           </a:p>
@@ -10766,21 +10771,19 @@
         </p:nvSpPr>
         <p:spPr>
           <a:xfrm>
-            <a:off x="1371600" y="685800"/>
-            <a:ext cx="3282695" cy="1485900"/>
+            <a:off x="1295400" y="339571"/>
+            <a:ext cx="9601200" cy="1485900"/>
           </a:xfrm>
         </p:spPr>
         <p:txBody>
-          <a:bodyPr>
-            <a:normAutofit/>
-          </a:bodyPr>
+          <a:bodyPr/>
           <a:lstStyle/>
           <a:p>
             <a:r>
-              <a:rPr kumimoji="1" lang="pt-BR" altLang="zh-CN"/>
+              <a:rPr lang="pt-BR" altLang="zh-CN" dirty="0"/>
               <a:t>Discussão</a:t>
             </a:r>
-            <a:endParaRPr kumimoji="1" lang="zh-CN" altLang="en-US" dirty="0"/>
+            <a:endParaRPr lang="zh-CN" altLang="en-US" dirty="0"/>
           </a:p>
         </p:txBody>
       </p:sp>
@@ -10802,29 +10805,33 @@
         </p:nvSpPr>
         <p:spPr>
           <a:xfrm>
-            <a:off x="1371599" y="5123242"/>
-            <a:ext cx="10480875" cy="1485901"/>
+            <a:off x="834501" y="4476115"/>
+            <a:ext cx="11239130" cy="2358356"/>
           </a:xfrm>
         </p:spPr>
         <p:txBody>
-          <a:bodyPr>
-            <a:normAutofit/>
-          </a:bodyPr>
+          <a:bodyPr/>
           <a:lstStyle/>
           <a:p>
             <a:r>
-              <a:rPr kumimoji="1" lang="pt-BR" altLang="zh-CN" dirty="0"/>
-              <a:t>Neste projeto a busca foi feita pelos índices, pode ser feitas pelo </a:t>
-            </a:r>
-            <a:r>
-              <a:rPr kumimoji="1" lang="pt-BR" altLang="zh-CN" dirty="0" err="1"/>
-              <a:t>isbn</a:t>
-            </a:r>
-            <a:r>
-              <a:rPr kumimoji="1" lang="pt-BR" altLang="zh-CN" dirty="0"/>
-              <a:t>/isbn13 que serão os números únicos que não sejam chaves. </a:t>
-            </a:r>
-            <a:endParaRPr kumimoji="1" lang="zh-CN" altLang="en-US" dirty="0"/>
+              <a:rPr lang="pt-BR" dirty="0"/>
+              <a:t>Os resultados foram melhores que o esperado, obtivemos uma diferença grande entre a busca de </a:t>
+            </a:r>
+            <a:r>
+              <a:rPr lang="pt-BR" dirty="0" err="1"/>
+              <a:t>ávore</a:t>
+            </a:r>
+            <a:r>
+              <a:rPr lang="pt-BR" dirty="0"/>
+              <a:t> AVL e de árvore Binária, sendo a AVL a melhor opção pois executou praticamente em tempo de execução.</a:t>
+            </a:r>
+          </a:p>
+          <a:p>
+            <a:pPr lvl="0"/>
+            <a:r>
+              <a:rPr lang="pt-BR" dirty="0"/>
+              <a:t>Para outras buscas sem serem com o índice já utilizado, no caso da nossa base de dados, para um atributo não chave seria a busca por Autor + Título que retornaria um livro específico, pois eles não estão duplicados na base, ou por outra chave, como o ISBN, pois o restante das informações são muito genéricas para serem utilizadas.</a:t>
+            </a:r>
           </a:p>
         </p:txBody>
       </p:sp>
@@ -10850,7 +10857,7 @@
         </p:blipFill>
         <p:spPr>
           <a:xfrm>
-            <a:off x="1371600" y="1493858"/>
+            <a:off x="1357544" y="1082521"/>
             <a:ext cx="10480876" cy="3332785"/>
           </a:xfrm>
           <a:prstGeom prst="rect">
